--- a/Peluqueria Ya.pptx
+++ b/Peluqueria Ya.pptx
@@ -1665,7 +1665,106 @@
       </p:grpSpPr>
       <p:sp>
         <p:nvSpPr>
-          <p:cNvPr id="116" name="Google Shape;116;g6b159993cb_1_111:notes"/>
+          <p:cNvPr id="116" name="Google Shape;116;g74d58e123c_0_559:notes"/>
+          <p:cNvSpPr txBox="1"/>
+          <p:nvPr>
+            <p:ph idx="1" type="body"/>
+          </p:nvPr>
+        </p:nvSpPr>
+        <p:spPr>
+          <a:xfrm>
+            <a:off x="685800" y="4343400"/>
+            <a:ext cx="5486400" cy="4114800"/>
+          </a:xfrm>
+          <a:prstGeom prst="rect">
+            <a:avLst/>
+          </a:prstGeom>
+        </p:spPr>
+        <p:txBody>
+          <a:bodyPr anchorCtr="0" anchor="t" bIns="91425" lIns="91425" spcFirstLastPara="1" rIns="91425" wrap="square" tIns="91425">
+            <a:noAutofit/>
+          </a:bodyPr>
+          <a:lstStyle/>
+          <a:p>
+            <a:pPr indent="0" lvl="0" marL="0" rtl="0" algn="l">
+              <a:spcBef>
+                <a:spcPts val="0"/>
+              </a:spcBef>
+              <a:spcAft>
+                <a:spcPts val="0"/>
+              </a:spcAft>
+              <a:buNone/>
+            </a:pPr>
+            <a:r>
+              <a:t/>
+            </a:r>
+            <a:endParaRPr/>
+          </a:p>
+        </p:txBody>
+      </p:sp>
+      <p:sp>
+        <p:nvSpPr>
+          <p:cNvPr id="117" name="Google Shape;117;g74d58e123c_0_559:notes"/>
+          <p:cNvSpPr/>
+          <p:nvPr>
+            <p:ph idx="2" type="sldImg"/>
+          </p:nvPr>
+        </p:nvSpPr>
+        <p:spPr>
+          <a:xfrm>
+            <a:off x="1143225" y="685800"/>
+            <a:ext cx="4572300" cy="3429000"/>
+          </a:xfrm>
+          <a:custGeom>
+            <a:rect b="b" l="l" r="r" t="t"/>
+            <a:pathLst>
+              <a:path extrusionOk="0" h="120000" w="120000">
+                <a:moveTo>
+                  <a:pt x="0" y="0"/>
+                </a:moveTo>
+                <a:lnTo>
+                  <a:pt x="120000" y="0"/>
+                </a:lnTo>
+                <a:lnTo>
+                  <a:pt x="120000" y="120000"/>
+                </a:lnTo>
+                <a:lnTo>
+                  <a:pt x="0" y="120000"/>
+                </a:lnTo>
+                <a:close/>
+              </a:path>
+            </a:pathLst>
+          </a:custGeom>
+        </p:spPr>
+      </p:sp>
+    </p:spTree>
+  </p:cSld>
+  <p:clrMapOvr>
+    <a:masterClrMapping/>
+  </p:clrMapOvr>
+</p:notes>
+</file>
+
+<file path=ppt/notesSlides/notesSlide9.xml><?xml version="1.0" encoding="utf-8"?>
+<p:notes xmlns:a="http://schemas.openxmlformats.org/drawingml/2006/main" xmlns:r="http://schemas.openxmlformats.org/officeDocument/2006/relationships" xmlns:mc="http://schemas.openxmlformats.org/markup-compatibility/2006" xmlns:mv="urn:schemas-microsoft-com:mac:vml" xmlns:p="http://schemas.openxmlformats.org/presentationml/2006/main" xmlns:c="http://schemas.openxmlformats.org/drawingml/2006/chart" xmlns:dgm="http://schemas.openxmlformats.org/drawingml/2006/diagram" xmlns:o="urn:schemas-microsoft-com:office:office" xmlns:v="urn:schemas-microsoft-com:vml" xmlns:pvml="urn:schemas-microsoft-com:office:powerpoint" xmlns:com="http://schemas.openxmlformats.org/drawingml/2006/compatibility" xmlns:p14="http://schemas.microsoft.com/office/powerpoint/2010/main" xmlns:p15="http://schemas.microsoft.com/office/powerpoint/2012/main" showMasterPhAnim="0" showMasterSp="0">
+  <p:cSld>
+    <p:spTree>
+      <p:nvGrpSpPr>
+        <p:cNvPr id="121" name="Shape 121"/>
+        <p:cNvGrpSpPr/>
+        <p:nvPr/>
+      </p:nvGrpSpPr>
+      <p:grpSpPr>
+        <a:xfrm>
+          <a:off x="0" y="0"/>
+          <a:ext cx="0" cy="0"/>
+          <a:chOff x="0" y="0"/>
+          <a:chExt cx="0" cy="0"/>
+        </a:xfrm>
+      </p:grpSpPr>
+      <p:sp>
+        <p:nvSpPr>
+          <p:cNvPr id="122" name="Google Shape;122;g6b159993cb_1_111:notes"/>
           <p:cNvSpPr txBox="1"/>
           <p:nvPr>
             <p:ph idx="1" type="body"/>
@@ -1712,7 +1811,7 @@
       </p:sp>
       <p:sp>
         <p:nvSpPr>
-          <p:cNvPr id="117" name="Google Shape;117;g6b159993cb_1_111:notes"/>
+          <p:cNvPr id="123" name="Google Shape;123;g6b159993cb_1_111:notes"/>
           <p:cNvSpPr/>
           <p:nvPr>
             <p:ph idx="2" type="sldImg"/>
@@ -1753,105 +1852,6 @@
             <a:headEnd len="sm" w="sm" type="none"/>
             <a:tailEnd len="sm" w="sm" type="none"/>
           </a:ln>
-        </p:spPr>
-      </p:sp>
-    </p:spTree>
-  </p:cSld>
-  <p:clrMapOvr>
-    <a:masterClrMapping/>
-  </p:clrMapOvr>
-</p:notes>
-</file>
-
-<file path=ppt/notesSlides/notesSlide9.xml><?xml version="1.0" encoding="utf-8"?>
-<p:notes xmlns:a="http://schemas.openxmlformats.org/drawingml/2006/main" xmlns:r="http://schemas.openxmlformats.org/officeDocument/2006/relationships" xmlns:mc="http://schemas.openxmlformats.org/markup-compatibility/2006" xmlns:mv="urn:schemas-microsoft-com:mac:vml" xmlns:p="http://schemas.openxmlformats.org/presentationml/2006/main" xmlns:c="http://schemas.openxmlformats.org/drawingml/2006/chart" xmlns:dgm="http://schemas.openxmlformats.org/drawingml/2006/diagram" xmlns:o="urn:schemas-microsoft-com:office:office" xmlns:v="urn:schemas-microsoft-com:vml" xmlns:pvml="urn:schemas-microsoft-com:office:powerpoint" xmlns:com="http://schemas.openxmlformats.org/drawingml/2006/compatibility" xmlns:p14="http://schemas.microsoft.com/office/powerpoint/2010/main" xmlns:p15="http://schemas.microsoft.com/office/powerpoint/2012/main" showMasterPhAnim="0" showMasterSp="0">
-  <p:cSld>
-    <p:spTree>
-      <p:nvGrpSpPr>
-        <p:cNvPr id="123" name="Shape 123"/>
-        <p:cNvGrpSpPr/>
-        <p:nvPr/>
-      </p:nvGrpSpPr>
-      <p:grpSpPr>
-        <a:xfrm>
-          <a:off x="0" y="0"/>
-          <a:ext cx="0" cy="0"/>
-          <a:chOff x="0" y="0"/>
-          <a:chExt cx="0" cy="0"/>
-        </a:xfrm>
-      </p:grpSpPr>
-      <p:sp>
-        <p:nvSpPr>
-          <p:cNvPr id="124" name="Google Shape;124;g74d58e123c_0_559:notes"/>
-          <p:cNvSpPr txBox="1"/>
-          <p:nvPr>
-            <p:ph idx="1" type="body"/>
-          </p:nvPr>
-        </p:nvSpPr>
-        <p:spPr>
-          <a:xfrm>
-            <a:off x="685800" y="4343400"/>
-            <a:ext cx="5486400" cy="4114800"/>
-          </a:xfrm>
-          <a:prstGeom prst="rect">
-            <a:avLst/>
-          </a:prstGeom>
-        </p:spPr>
-        <p:txBody>
-          <a:bodyPr anchorCtr="0" anchor="t" bIns="91425" lIns="91425" spcFirstLastPara="1" rIns="91425" wrap="square" tIns="91425">
-            <a:noAutofit/>
-          </a:bodyPr>
-          <a:lstStyle/>
-          <a:p>
-            <a:pPr indent="0" lvl="0" marL="0" rtl="0" algn="l">
-              <a:spcBef>
-                <a:spcPts val="0"/>
-              </a:spcBef>
-              <a:spcAft>
-                <a:spcPts val="0"/>
-              </a:spcAft>
-              <a:buNone/>
-            </a:pPr>
-            <a:r>
-              <a:t/>
-            </a:r>
-            <a:endParaRPr/>
-          </a:p>
-        </p:txBody>
-      </p:sp>
-      <p:sp>
-        <p:nvSpPr>
-          <p:cNvPr id="125" name="Google Shape;125;g74d58e123c_0_559:notes"/>
-          <p:cNvSpPr/>
-          <p:nvPr>
-            <p:ph idx="2" type="sldImg"/>
-          </p:nvPr>
-        </p:nvSpPr>
-        <p:spPr>
-          <a:xfrm>
-            <a:off x="1143225" y="685800"/>
-            <a:ext cx="4572300" cy="3429000"/>
-          </a:xfrm>
-          <a:custGeom>
-            <a:rect b="b" l="l" r="r" t="t"/>
-            <a:pathLst>
-              <a:path extrusionOk="0" h="120000" w="120000">
-                <a:moveTo>
-                  <a:pt x="0" y="0"/>
-                </a:moveTo>
-                <a:lnTo>
-                  <a:pt x="120000" y="0"/>
-                </a:lnTo>
-                <a:lnTo>
-                  <a:pt x="120000" y="120000"/>
-                </a:lnTo>
-                <a:lnTo>
-                  <a:pt x="0" y="120000"/>
-                </a:lnTo>
-                <a:close/>
-              </a:path>
-            </a:pathLst>
-          </a:custGeom>
         </p:spPr>
       </p:sp>
     </p:spTree>
@@ -8745,7 +8745,7 @@
         </p:blipFill>
         <p:spPr>
           <a:xfrm>
-            <a:off x="5609875" y="4463825"/>
+            <a:off x="5609875" y="4200800"/>
             <a:ext cx="3377875" cy="1271201"/>
           </a:xfrm>
           <a:prstGeom prst="rect">
@@ -9318,7 +9318,7 @@
                 <a:cs typeface="Merriweather"/>
                 <a:sym typeface="Merriweather"/>
               </a:rPr>
-              <a:t>La aplicación es una plataforma web de contratación de profesionales del pelo a domicilio. </a:t>
+              <a:t>La aplicación es una plataforma web de contratación de profesionales del pelo y/o barba a domicilio.</a:t>
             </a:r>
             <a:endParaRPr sz="2400">
               <a:solidFill>
@@ -9359,7 +9359,7 @@
                 <a:cs typeface="Merriweather"/>
                 <a:sym typeface="Merriweather"/>
               </a:rPr>
-              <a:t>Se encarga de satisfacer las necesidades de una persona que quiere evitar ir a un lugar físico para arreglar su pelo y tolerar las demoras habituales que se generen allí y de profesionales del pelo independientes que busquen una plataforma para ofrecer sus servicios fácilmente y evitar los costos de tener/alquilar una peluquería o barbería.</a:t>
+              <a:t>Se encarga de satisfacer las necesidades de una persona que quiere evitar ir a un lugar físico para arreglar su pelo, tolerar las demoras habituales que se generen allí y de profesionales del pelo independientes que busquen una plataforma para ofrecer sus servicios fácilmente y evitar los costos de tener/alquilar una peluquería o barbería.</a:t>
             </a:r>
             <a:endParaRPr sz="2400">
               <a:solidFill>
@@ -9615,7 +9615,7 @@
             </a:pPr>
             <a:r>
               <a:rPr lang="es-AR" sz="2400"/>
-              <a:t>Gestión de cuentas de cliente</a:t>
+              <a:t>Gestión de perfil de cliente</a:t>
             </a:r>
             <a:endParaRPr sz="2400"/>
           </a:p>
@@ -9632,7 +9632,7 @@
             </a:pPr>
             <a:r>
               <a:rPr lang="es-AR" sz="2400"/>
-              <a:t>Gestión de cuentas de peluquero</a:t>
+              <a:t>Gestión de perfil y servicios de peluquero</a:t>
             </a:r>
             <a:endParaRPr sz="2400"/>
           </a:p>
@@ -9649,7 +9649,7 @@
             </a:pPr>
             <a:r>
               <a:rPr lang="es-AR" sz="2400"/>
-              <a:t>Búsqueda de peluqueros cercanos según diferentes filtros y ordenados de diferentes formas</a:t>
+              <a:t>Búsqueda de peluqueros cercanos según diferentes filtros y ordenados</a:t>
             </a:r>
             <a:endParaRPr sz="2400"/>
           </a:p>
@@ -9666,7 +9666,11 @@
             </a:pPr>
             <a:r>
               <a:rPr lang="es-AR" sz="2400"/>
-              <a:t>Gestión de turnos: pedir, confirmar, puntuar y manejar disponibilidad</a:t>
+              <a:t>Gestión de turnos: pedir, confirmar, cancelar, finalizar y </a:t>
+            </a:r>
+            <a:r>
+              <a:rPr lang="es-AR" sz="2400"/>
+              <a:t>puntuar</a:t>
             </a:r>
             <a:endParaRPr sz="2400"/>
           </a:p>
@@ -10083,8 +10087,8 @@
         </p:nvSpPr>
         <p:spPr>
           <a:xfrm>
-            <a:off x="457225" y="1608425"/>
-            <a:ext cx="8229600" cy="3989100"/>
+            <a:off x="457225" y="1586750"/>
+            <a:ext cx="8229600" cy="3892500"/>
           </a:xfrm>
           <a:prstGeom prst="rect">
             <a:avLst/>
@@ -10100,7 +10104,7 @@
           </a:bodyPr>
           <a:lstStyle/>
           <a:p>
-            <a:pPr indent="0" lvl="0" marL="457200" rtl="0" algn="l">
+            <a:pPr indent="0" lvl="0" marL="0" rtl="0" algn="l">
               <a:spcBef>
                 <a:spcPts val="0"/>
               </a:spcBef>
@@ -10112,88 +10116,123 @@
             <a:r>
               <a:t/>
             </a:r>
-            <a:endParaRPr sz="3300"/>
+            <a:endParaRPr sz="3100"/>
           </a:p>
           <a:p>
-            <a:pPr indent="-438150" lvl="0" marL="457200" rtl="0" algn="l">
+            <a:pPr indent="-406400" lvl="0" marL="457200" rtl="0" algn="l">
+              <a:lnSpc>
+                <a:spcPct val="150000"/>
+              </a:lnSpc>
               <a:spcBef>
                 <a:spcPts val="1600"/>
               </a:spcBef>
               <a:spcAft>
                 <a:spcPts val="0"/>
               </a:spcAft>
-              <a:buSzPts val="3300"/>
+              <a:buSzPts val="2800"/>
               <a:buChar char="●"/>
             </a:pPr>
             <a:r>
-              <a:rPr lang="es-AR" sz="3300"/>
-              <a:t>Implementar notificaciones por e-mail</a:t>
+              <a:rPr lang="es-AR" sz="2800"/>
+              <a:t>Aprender manejo de estados con React</a:t>
             </a:r>
-            <a:endParaRPr sz="3300"/>
+            <a:endParaRPr sz="2800"/>
           </a:p>
           <a:p>
-            <a:pPr indent="0" lvl="0" marL="365760" rtl="0" algn="l">
-              <a:spcBef>
-                <a:spcPts val="1600"/>
-              </a:spcBef>
-              <a:spcAft>
-                <a:spcPts val="0"/>
-              </a:spcAft>
-              <a:buNone/>
-            </a:pPr>
-            <a:r>
-              <a:t/>
-            </a:r>
-            <a:endParaRPr sz="3300"/>
-          </a:p>
-          <a:p>
-            <a:pPr indent="-287782" lvl="0" marL="365760" rtl="0" algn="l">
-              <a:spcBef>
-                <a:spcPts val="1600"/>
-              </a:spcBef>
-              <a:spcAft>
-                <a:spcPts val="0"/>
-              </a:spcAft>
-              <a:buSzPts val="3300"/>
+            <a:pPr indent="-406400" lvl="0" marL="457200" rtl="0" algn="l">
+              <a:lnSpc>
+                <a:spcPct val="150000"/>
+              </a:lnSpc>
+              <a:spcBef>
+                <a:spcPts val="0"/>
+              </a:spcBef>
+              <a:spcAft>
+                <a:spcPts val="0"/>
+              </a:spcAft>
+              <a:buSzPts val="2800"/>
               <a:buChar char="●"/>
             </a:pPr>
             <a:r>
-              <a:rPr lang="es-AR" sz="3300"/>
-              <a:t>Aprender React Hooks</a:t>
+              <a:rPr lang="es-AR" sz="2800"/>
+              <a:t>Tomar d</a:t>
             </a:r>
-            <a:endParaRPr sz="3300"/>
+            <a:r>
+              <a:rPr lang="es-AR" sz="2800"/>
+              <a:t>ecisiones al ser dos integrantes</a:t>
+            </a:r>
+            <a:endParaRPr sz="2800"/>
           </a:p>
           <a:p>
-            <a:pPr indent="0" lvl="0" marL="457200" rtl="0" algn="l">
-              <a:spcBef>
-                <a:spcPts val="1600"/>
-              </a:spcBef>
-              <a:spcAft>
-                <a:spcPts val="0"/>
-              </a:spcAft>
-              <a:buNone/>
-            </a:pPr>
-            <a:r>
-              <a:t/>
-            </a:r>
-            <a:endParaRPr sz="3300"/>
-          </a:p>
-          <a:p>
-            <a:pPr indent="-351282" lvl="0" marL="365760" rtl="0" algn="l">
-              <a:spcBef>
-                <a:spcPts val="1600"/>
-              </a:spcBef>
-              <a:spcAft>
-                <a:spcPts val="1600"/>
-              </a:spcAft>
-              <a:buSzPts val="3300"/>
+            <a:pPr indent="-406400" lvl="0" marL="457200" rtl="0" algn="l">
+              <a:lnSpc>
+                <a:spcPct val="150000"/>
+              </a:lnSpc>
+              <a:spcBef>
+                <a:spcPts val="0"/>
+              </a:spcBef>
+              <a:spcAft>
+                <a:spcPts val="0"/>
+              </a:spcAft>
+              <a:buSzPts val="2800"/>
               <a:buChar char="●"/>
             </a:pPr>
             <a:r>
-              <a:rPr lang="es-AR" sz="3300"/>
-              <a:t>Desarrollar en Kotlin</a:t>
+              <a:rPr lang="es-AR" sz="2800"/>
+              <a:t>Hacer test de front-end</a:t>
             </a:r>
-            <a:endParaRPr sz="3300"/>
+            <a:endParaRPr sz="2800"/>
+          </a:p>
+          <a:p>
+            <a:pPr indent="-406400" lvl="0" marL="457200" rtl="0" algn="l">
+              <a:lnSpc>
+                <a:spcPct val="150000"/>
+              </a:lnSpc>
+              <a:spcBef>
+                <a:spcPts val="0"/>
+              </a:spcBef>
+              <a:spcAft>
+                <a:spcPts val="0"/>
+              </a:spcAft>
+              <a:buSzPts val="2800"/>
+              <a:buChar char="●"/>
+            </a:pPr>
+            <a:r>
+              <a:rPr lang="es-AR" sz="2800"/>
+              <a:t>Desarrollar una </a:t>
+            </a:r>
+            <a:r>
+              <a:rPr lang="es-AR" sz="2800"/>
+              <a:t>aplicación</a:t>
+            </a:r>
+            <a:r>
+              <a:rPr lang="es-AR" sz="2800"/>
+              <a:t> sin el feedback de un usuario real</a:t>
+            </a:r>
+            <a:endParaRPr sz="2800"/>
+          </a:p>
+          <a:p>
+            <a:pPr indent="-406400" lvl="0" marL="457200" rtl="0" algn="l">
+              <a:lnSpc>
+                <a:spcPct val="150000"/>
+              </a:lnSpc>
+              <a:spcBef>
+                <a:spcPts val="0"/>
+              </a:spcBef>
+              <a:spcAft>
+                <a:spcPts val="0"/>
+              </a:spcAft>
+              <a:buSzPts val="2800"/>
+              <a:buChar char="●"/>
+            </a:pPr>
+            <a:r>
+              <a:rPr lang="es-AR" sz="2800"/>
+              <a:t>Escribir sin errores de </a:t>
+            </a:r>
+            <a:r>
+              <a:rPr lang="es-AR" sz="2800"/>
+              <a:t>ortografía</a:t>
+            </a:r>
+            <a:endParaRPr sz="2800"/>
           </a:p>
         </p:txBody>
       </p:sp>
@@ -10227,6 +10266,243 @@
           <p:cNvPr id="119" name="Google Shape;119;p21"/>
           <p:cNvSpPr txBox="1"/>
           <p:nvPr>
+            <p:ph idx="4294967295" type="body"/>
+          </p:nvPr>
+        </p:nvSpPr>
+        <p:spPr>
+          <a:xfrm>
+            <a:off x="408175" y="1191950"/>
+            <a:ext cx="8278500" cy="4941300"/>
+          </a:xfrm>
+          <a:prstGeom prst="rect">
+            <a:avLst/>
+          </a:prstGeom>
+          <a:noFill/>
+          <a:ln>
+            <a:noFill/>
+          </a:ln>
+        </p:spPr>
+        <p:txBody>
+          <a:bodyPr anchorCtr="0" anchor="t" bIns="45700" lIns="91425" spcFirstLastPara="1" rIns="91425" wrap="square" tIns="45700">
+            <a:noAutofit/>
+          </a:bodyPr>
+          <a:lstStyle/>
+          <a:p>
+            <a:pPr indent="0" lvl="0" marL="0" rtl="0" algn="l">
+              <a:spcBef>
+                <a:spcPts val="0"/>
+              </a:spcBef>
+              <a:spcAft>
+                <a:spcPts val="0"/>
+              </a:spcAft>
+              <a:buNone/>
+            </a:pPr>
+            <a:r>
+              <a:t/>
+            </a:r>
+            <a:endParaRPr sz="3300"/>
+          </a:p>
+          <a:p>
+            <a:pPr indent="-260350" lvl="0" marL="360000" rtl="0" algn="l">
+              <a:lnSpc>
+                <a:spcPct val="100000"/>
+              </a:lnSpc>
+              <a:spcBef>
+                <a:spcPts val="1600"/>
+              </a:spcBef>
+              <a:spcAft>
+                <a:spcPts val="0"/>
+              </a:spcAft>
+              <a:buSzPts val="2900"/>
+              <a:buChar char="●"/>
+            </a:pPr>
+            <a:r>
+              <a:rPr lang="es-AR" sz="2900"/>
+              <a:t>Manejo del pago online del servicio adquirido</a:t>
+            </a:r>
+            <a:endParaRPr sz="2900"/>
+          </a:p>
+          <a:p>
+            <a:pPr indent="-260350" lvl="0" marL="360000" rtl="0" algn="l">
+              <a:lnSpc>
+                <a:spcPct val="100000"/>
+              </a:lnSpc>
+              <a:spcBef>
+                <a:spcPts val="1600"/>
+              </a:spcBef>
+              <a:spcAft>
+                <a:spcPts val="0"/>
+              </a:spcAft>
+              <a:buSzPts val="2900"/>
+              <a:buChar char="●"/>
+            </a:pPr>
+            <a:r>
+              <a:rPr lang="es-AR" sz="2900"/>
+              <a:t>Reserva de turnos</a:t>
+            </a:r>
+            <a:endParaRPr sz="2900"/>
+          </a:p>
+          <a:p>
+            <a:pPr indent="-260350" lvl="0" marL="360000" rtl="0" algn="l">
+              <a:lnSpc>
+                <a:spcPct val="100000"/>
+              </a:lnSpc>
+              <a:spcBef>
+                <a:spcPts val="1600"/>
+              </a:spcBef>
+              <a:spcAft>
+                <a:spcPts val="0"/>
+              </a:spcAft>
+              <a:buSzPts val="2900"/>
+              <a:buChar char="●"/>
+            </a:pPr>
+            <a:r>
+              <a:rPr lang="es-AR" sz="2900"/>
+              <a:t>Suscripción premium tanto peluquero como cliente</a:t>
+            </a:r>
+            <a:endParaRPr sz="2900"/>
+          </a:p>
+          <a:p>
+            <a:pPr indent="-260350" lvl="0" marL="360000" rtl="0" algn="l">
+              <a:lnSpc>
+                <a:spcPct val="100000"/>
+              </a:lnSpc>
+              <a:spcBef>
+                <a:spcPts val="1600"/>
+              </a:spcBef>
+              <a:spcAft>
+                <a:spcPts val="0"/>
+              </a:spcAft>
+              <a:buSzPts val="2900"/>
+              <a:buChar char="●"/>
+            </a:pPr>
+            <a:r>
+              <a:rPr lang="es-AR" sz="2900"/>
+              <a:t>Mensajería instantánea entre cliente y peluquero</a:t>
+            </a:r>
+            <a:endParaRPr sz="2900"/>
+          </a:p>
+          <a:p>
+            <a:pPr indent="-260350" lvl="0" marL="360000" rtl="0" algn="l">
+              <a:lnSpc>
+                <a:spcPct val="100000"/>
+              </a:lnSpc>
+              <a:spcBef>
+                <a:spcPts val="1000"/>
+              </a:spcBef>
+              <a:spcAft>
+                <a:spcPts val="0"/>
+              </a:spcAft>
+              <a:buSzPts val="2900"/>
+              <a:buChar char="●"/>
+            </a:pPr>
+            <a:r>
+              <a:rPr lang="es-AR" sz="2900"/>
+              <a:t>Desplegar a un ambiente productivo</a:t>
+            </a:r>
+            <a:endParaRPr sz="2900"/>
+          </a:p>
+          <a:p>
+            <a:pPr indent="-260350" lvl="0" marL="360000" rtl="0" algn="l">
+              <a:lnSpc>
+                <a:spcPct val="100000"/>
+              </a:lnSpc>
+              <a:spcBef>
+                <a:spcPts val="1000"/>
+              </a:spcBef>
+              <a:spcAft>
+                <a:spcPts val="1600"/>
+              </a:spcAft>
+              <a:buSzPts val="2900"/>
+              <a:buChar char="●"/>
+            </a:pPr>
+            <a:r>
+              <a:rPr lang="es-AR" sz="2900"/>
+              <a:t>Agregar filtros de búsqueda en sección turnos</a:t>
+            </a:r>
+            <a:endParaRPr sz="2900"/>
+          </a:p>
+        </p:txBody>
+      </p:sp>
+      <p:sp>
+        <p:nvSpPr>
+          <p:cNvPr id="120" name="Google Shape;120;p21"/>
+          <p:cNvSpPr txBox="1"/>
+          <p:nvPr>
+            <p:ph type="title"/>
+          </p:nvPr>
+        </p:nvSpPr>
+        <p:spPr>
+          <a:xfrm>
+            <a:off x="311725" y="667900"/>
+            <a:ext cx="8520600" cy="831600"/>
+          </a:xfrm>
+          <a:prstGeom prst="rect">
+            <a:avLst/>
+          </a:prstGeom>
+          <a:noFill/>
+          <a:ln>
+            <a:noFill/>
+          </a:ln>
+        </p:spPr>
+        <p:txBody>
+          <a:bodyPr anchorCtr="0" anchor="ctr" bIns="45700" lIns="91425" spcFirstLastPara="1" rIns="91425" wrap="square" tIns="45700">
+            <a:noAutofit/>
+          </a:bodyPr>
+          <a:lstStyle/>
+          <a:p>
+            <a:pPr indent="0" lvl="0" marL="0" rtl="0" algn="l">
+              <a:spcBef>
+                <a:spcPts val="0"/>
+              </a:spcBef>
+              <a:spcAft>
+                <a:spcPts val="0"/>
+              </a:spcAft>
+              <a:buClr>
+                <a:schemeClr val="dk2"/>
+              </a:buClr>
+              <a:buSzPts val="4000"/>
+              <a:buFont typeface="Trebuchet MS"/>
+              <a:buNone/>
+            </a:pPr>
+            <a:r>
+              <a:rPr lang="es-AR" sz="4500"/>
+              <a:t>Trabajo  a  Futuro</a:t>
+            </a:r>
+            <a:endParaRPr sz="4500"/>
+          </a:p>
+        </p:txBody>
+      </p:sp>
+    </p:spTree>
+  </p:cSld>
+  <p:clrMapOvr>
+    <a:masterClrMapping/>
+  </p:clrMapOvr>
+</p:sld>
+</file>
+
+<file path=ppt/slides/slide9.xml><?xml version="1.0" encoding="utf-8"?>
+<p:sld xmlns:a="http://schemas.openxmlformats.org/drawingml/2006/main" xmlns:r="http://schemas.openxmlformats.org/officeDocument/2006/relationships" xmlns:mc="http://schemas.openxmlformats.org/markup-compatibility/2006" xmlns:mv="urn:schemas-microsoft-com:mac:vml" xmlns:p="http://schemas.openxmlformats.org/presentationml/2006/main" xmlns:c="http://schemas.openxmlformats.org/drawingml/2006/chart" xmlns:dgm="http://schemas.openxmlformats.org/drawingml/2006/diagram" xmlns:o="urn:schemas-microsoft-com:office:office" xmlns:v="urn:schemas-microsoft-com:vml" xmlns:pvml="urn:schemas-microsoft-com:office:powerpoint" xmlns:com="http://schemas.openxmlformats.org/drawingml/2006/compatibility" xmlns:p14="http://schemas.microsoft.com/office/powerpoint/2010/main" xmlns:p15="http://schemas.microsoft.com/office/powerpoint/2012/main">
+  <p:cSld>
+    <p:spTree>
+      <p:nvGrpSpPr>
+        <p:cNvPr id="124" name="Shape 124"/>
+        <p:cNvGrpSpPr/>
+        <p:nvPr/>
+      </p:nvGrpSpPr>
+      <p:grpSpPr>
+        <a:xfrm>
+          <a:off x="0" y="0"/>
+          <a:ext cx="0" cy="0"/>
+          <a:chOff x="0" y="0"/>
+          <a:chExt cx="0" cy="0"/>
+        </a:xfrm>
+      </p:grpSpPr>
+      <p:sp>
+        <p:nvSpPr>
+          <p:cNvPr id="125" name="Google Shape;125;p22"/>
+          <p:cNvSpPr txBox="1"/>
+          <p:nvPr>
             <p:ph type="title"/>
           </p:nvPr>
         </p:nvSpPr>
@@ -10276,7 +10552,7 @@
       </p:sp>
       <p:pic>
         <p:nvPicPr>
-          <p:cNvPr id="120" name="Google Shape;120;p21"/>
+          <p:cNvPr id="126" name="Google Shape;126;p22"/>
           <p:cNvPicPr preferRelativeResize="0"/>
           <p:nvPr/>
         </p:nvPicPr>
@@ -10303,7 +10579,7 @@
       </p:pic>
       <p:pic>
         <p:nvPicPr>
-          <p:cNvPr id="121" name="Google Shape;121;p21"/>
+          <p:cNvPr id="127" name="Google Shape;127;p22"/>
           <p:cNvPicPr preferRelativeResize="0"/>
           <p:nvPr/>
         </p:nvPicPr>
@@ -10330,7 +10606,7 @@
       </p:pic>
       <p:sp>
         <p:nvSpPr>
-          <p:cNvPr id="122" name="Google Shape;122;p21"/>
+          <p:cNvPr id="128" name="Google Shape;128;p22"/>
           <p:cNvSpPr txBox="1"/>
           <p:nvPr/>
         </p:nvSpPr>
@@ -10391,180 +10667,6 @@
               <a:cs typeface="Lato"/>
               <a:sym typeface="Lato"/>
             </a:endParaRPr>
-          </a:p>
-        </p:txBody>
-      </p:sp>
-    </p:spTree>
-  </p:cSld>
-  <p:clrMapOvr>
-    <a:masterClrMapping/>
-  </p:clrMapOvr>
-</p:sld>
-</file>
-
-<file path=ppt/slides/slide9.xml><?xml version="1.0" encoding="utf-8"?>
-<p:sld xmlns:a="http://schemas.openxmlformats.org/drawingml/2006/main" xmlns:r="http://schemas.openxmlformats.org/officeDocument/2006/relationships" xmlns:mc="http://schemas.openxmlformats.org/markup-compatibility/2006" xmlns:mv="urn:schemas-microsoft-com:mac:vml" xmlns:p="http://schemas.openxmlformats.org/presentationml/2006/main" xmlns:c="http://schemas.openxmlformats.org/drawingml/2006/chart" xmlns:dgm="http://schemas.openxmlformats.org/drawingml/2006/diagram" xmlns:o="urn:schemas-microsoft-com:office:office" xmlns:v="urn:schemas-microsoft-com:vml" xmlns:pvml="urn:schemas-microsoft-com:office:powerpoint" xmlns:com="http://schemas.openxmlformats.org/drawingml/2006/compatibility" xmlns:p14="http://schemas.microsoft.com/office/powerpoint/2010/main" xmlns:p15="http://schemas.microsoft.com/office/powerpoint/2012/main">
-  <p:cSld>
-    <p:spTree>
-      <p:nvGrpSpPr>
-        <p:cNvPr id="126" name="Shape 126"/>
-        <p:cNvGrpSpPr/>
-        <p:nvPr/>
-      </p:nvGrpSpPr>
-      <p:grpSpPr>
-        <a:xfrm>
-          <a:off x="0" y="0"/>
-          <a:ext cx="0" cy="0"/>
-          <a:chOff x="0" y="0"/>
-          <a:chExt cx="0" cy="0"/>
-        </a:xfrm>
-      </p:grpSpPr>
-      <p:sp>
-        <p:nvSpPr>
-          <p:cNvPr id="127" name="Google Shape;127;p22"/>
-          <p:cNvSpPr txBox="1"/>
-          <p:nvPr>
-            <p:ph idx="4294967295" type="body"/>
-          </p:nvPr>
-        </p:nvSpPr>
-        <p:spPr>
-          <a:xfrm>
-            <a:off x="457225" y="1919875"/>
-            <a:ext cx="8229600" cy="4213500"/>
-          </a:xfrm>
-          <a:prstGeom prst="rect">
-            <a:avLst/>
-          </a:prstGeom>
-          <a:noFill/>
-          <a:ln>
-            <a:noFill/>
-          </a:ln>
-        </p:spPr>
-        <p:txBody>
-          <a:bodyPr anchorCtr="0" anchor="t" bIns="45700" lIns="91425" spcFirstLastPara="1" rIns="91425" wrap="square" tIns="45700">
-            <a:noAutofit/>
-          </a:bodyPr>
-          <a:lstStyle/>
-          <a:p>
-            <a:pPr indent="0" lvl="0" marL="0" rtl="0" algn="l">
-              <a:spcBef>
-                <a:spcPts val="0"/>
-              </a:spcBef>
-              <a:spcAft>
-                <a:spcPts val="0"/>
-              </a:spcAft>
-              <a:buNone/>
-            </a:pPr>
-            <a:r>
-              <a:t/>
-            </a:r>
-            <a:endParaRPr sz="3300"/>
-          </a:p>
-          <a:p>
-            <a:pPr indent="-268732" lvl="0" marL="365760" rtl="0" algn="l">
-              <a:lnSpc>
-                <a:spcPct val="200000"/>
-              </a:lnSpc>
-              <a:spcBef>
-                <a:spcPts val="1600"/>
-              </a:spcBef>
-              <a:spcAft>
-                <a:spcPts val="0"/>
-              </a:spcAft>
-              <a:buSzPts val="3000"/>
-              <a:buChar char="●"/>
-            </a:pPr>
-            <a:r>
-              <a:rPr lang="es-AR" sz="3000"/>
-              <a:t>Manejo del pago online del servicio adquirido</a:t>
-            </a:r>
-            <a:endParaRPr sz="3000"/>
-          </a:p>
-          <a:p>
-            <a:pPr indent="-332232" lvl="0" marL="365760" rtl="0" algn="l">
-              <a:lnSpc>
-                <a:spcPct val="200000"/>
-              </a:lnSpc>
-              <a:spcBef>
-                <a:spcPts val="1600"/>
-              </a:spcBef>
-              <a:spcAft>
-                <a:spcPts val="0"/>
-              </a:spcAft>
-              <a:buSzPts val="3000"/>
-              <a:buChar char="●"/>
-            </a:pPr>
-            <a:r>
-              <a:rPr lang="es-AR" sz="3000"/>
-              <a:t>Reserva de turnos</a:t>
-            </a:r>
-            <a:endParaRPr sz="3300"/>
-          </a:p>
-          <a:p>
-            <a:pPr indent="-419100" lvl="0" marL="457200" rtl="0" algn="l">
-              <a:spcBef>
-                <a:spcPts val="1600"/>
-              </a:spcBef>
-              <a:spcAft>
-                <a:spcPts val="0"/>
-              </a:spcAft>
-              <a:buSzPts val="3000"/>
-              <a:buChar char="●"/>
-            </a:pPr>
-            <a:r>
-              <a:rPr lang="es-AR" sz="3000"/>
-              <a:t>Mensajería instantánea entre cliente y peluquero</a:t>
-            </a:r>
-            <a:endParaRPr sz="3000"/>
-          </a:p>
-        </p:txBody>
-      </p:sp>
-      <p:sp>
-        <p:nvSpPr>
-          <p:cNvPr id="128" name="Google Shape;128;p22"/>
-          <p:cNvSpPr txBox="1"/>
-          <p:nvPr>
-            <p:ph type="title"/>
-          </p:nvPr>
-        </p:nvSpPr>
-        <p:spPr>
-          <a:xfrm>
-            <a:off x="311725" y="667900"/>
-            <a:ext cx="8520600" cy="831600"/>
-          </a:xfrm>
-          <a:prstGeom prst="rect">
-            <a:avLst/>
-          </a:prstGeom>
-          <a:noFill/>
-          <a:ln>
-            <a:noFill/>
-          </a:ln>
-        </p:spPr>
-        <p:txBody>
-          <a:bodyPr anchorCtr="0" anchor="ctr" bIns="45700" lIns="91425" spcFirstLastPara="1" rIns="91425" wrap="square" tIns="45700">
-            <a:noAutofit/>
-          </a:bodyPr>
-          <a:lstStyle/>
-          <a:p>
-            <a:pPr indent="0" lvl="0" marL="0" rtl="0" algn="l">
-              <a:spcBef>
-                <a:spcPts val="0"/>
-              </a:spcBef>
-              <a:spcAft>
-                <a:spcPts val="0"/>
-              </a:spcAft>
-              <a:buClr>
-                <a:schemeClr val="dk2"/>
-              </a:buClr>
-              <a:buSzPts val="4000"/>
-              <a:buFont typeface="Trebuchet MS"/>
-              <a:buNone/>
-            </a:pPr>
-            <a:r>
-              <a:rPr lang="es-AR" sz="4500"/>
-              <a:t>Trabajo  a  Futuro</a:t>
-            </a:r>
-            <a:endParaRPr sz="4500"/>
           </a:p>
         </p:txBody>
       </p:sp>
